--- a/Модульный экзамен/Модульный экзамен Попкова.pptx
+++ b/Модульный экзамен/Модульный экзамен Попкова.pptx
@@ -9,7 +9,7 @@
     <p:sldId id="258" r:id="rId3"/>
     <p:sldId id="259" r:id="rId4"/>
     <p:sldId id="260" r:id="rId5"/>
-    <p:sldId id="263" r:id="rId6"/>
+    <p:sldId id="274" r:id="rId6"/>
     <p:sldId id="264" r:id="rId7"/>
     <p:sldId id="261" r:id="rId8"/>
     <p:sldId id="262" r:id="rId9"/>
@@ -118,6 +118,11 @@
       </a:defRPr>
     </a:lvl9pPr>
   </p:defaultTextStyle>
+  <p:extLst>
+    <p:ext uri="{EFAFB233-063F-42B5-8137-9DF3F51BA10A}">
+      <p15:sldGuideLst xmlns:p15="http://schemas.microsoft.com/office/powerpoint/2012/main"/>
+    </p:ext>
+  </p:extLst>
 </p:presentation>
 </file>
 
@@ -866,7 +871,7 @@
           <a:p>
             <a:fld id="{34EA86D9-090A-4554-8525-0B9DE1D53190}" type="datetimeFigureOut">
               <a:rPr lang="ru-RU" smtClean="0"/>
-              <a:t>01.07.2020</a:t>
+              <a:t>02.07.2020</a:t>
             </a:fld>
             <a:endParaRPr lang="ru-RU"/>
           </a:p>
@@ -1117,7 +1122,7 @@
           <a:p>
             <a:fld id="{34EA86D9-090A-4554-8525-0B9DE1D53190}" type="datetimeFigureOut">
               <a:rPr lang="ru-RU" smtClean="0"/>
-              <a:t>01.07.2020</a:t>
+              <a:t>02.07.2020</a:t>
             </a:fld>
             <a:endParaRPr lang="ru-RU"/>
           </a:p>
@@ -1431,7 +1436,7 @@
           <a:p>
             <a:fld id="{34EA86D9-090A-4554-8525-0B9DE1D53190}" type="datetimeFigureOut">
               <a:rPr lang="ru-RU" smtClean="0"/>
-              <a:t>01.07.2020</a:t>
+              <a:t>02.07.2020</a:t>
             </a:fld>
             <a:endParaRPr lang="ru-RU"/>
           </a:p>
@@ -1764,7 +1769,7 @@
           <a:p>
             <a:fld id="{34EA86D9-090A-4554-8525-0B9DE1D53190}" type="datetimeFigureOut">
               <a:rPr lang="ru-RU" smtClean="0"/>
-              <a:t>01.07.2020</a:t>
+              <a:t>02.07.2020</a:t>
             </a:fld>
             <a:endParaRPr lang="ru-RU"/>
           </a:p>
@@ -2078,7 +2083,7 @@
           <a:p>
             <a:fld id="{34EA86D9-090A-4554-8525-0B9DE1D53190}" type="datetimeFigureOut">
               <a:rPr lang="ru-RU" smtClean="0"/>
-              <a:t>01.07.2020</a:t>
+              <a:t>02.07.2020</a:t>
             </a:fld>
             <a:endParaRPr lang="ru-RU"/>
           </a:p>
@@ -2471,7 +2476,7 @@
           <a:p>
             <a:fld id="{34EA86D9-090A-4554-8525-0B9DE1D53190}" type="datetimeFigureOut">
               <a:rPr lang="ru-RU" smtClean="0"/>
-              <a:t>01.07.2020</a:t>
+              <a:t>02.07.2020</a:t>
             </a:fld>
             <a:endParaRPr lang="ru-RU"/>
           </a:p>
@@ -2641,7 +2646,7 @@
           <a:p>
             <a:fld id="{34EA86D9-090A-4554-8525-0B9DE1D53190}" type="datetimeFigureOut">
               <a:rPr lang="ru-RU" smtClean="0"/>
-              <a:t>01.07.2020</a:t>
+              <a:t>02.07.2020</a:t>
             </a:fld>
             <a:endParaRPr lang="ru-RU"/>
           </a:p>
@@ -2821,7 +2826,7 @@
           <a:p>
             <a:fld id="{34EA86D9-090A-4554-8525-0B9DE1D53190}" type="datetimeFigureOut">
               <a:rPr lang="ru-RU" smtClean="0"/>
-              <a:t>01.07.2020</a:t>
+              <a:t>02.07.2020</a:t>
             </a:fld>
             <a:endParaRPr lang="ru-RU"/>
           </a:p>
@@ -2991,7 +2996,7 @@
           <a:p>
             <a:fld id="{34EA86D9-090A-4554-8525-0B9DE1D53190}" type="datetimeFigureOut">
               <a:rPr lang="ru-RU" smtClean="0"/>
-              <a:t>01.07.2020</a:t>
+              <a:t>02.07.2020</a:t>
             </a:fld>
             <a:endParaRPr lang="ru-RU"/>
           </a:p>
@@ -3238,7 +3243,7 @@
           <a:p>
             <a:fld id="{34EA86D9-090A-4554-8525-0B9DE1D53190}" type="datetimeFigureOut">
               <a:rPr lang="ru-RU" smtClean="0"/>
-              <a:t>01.07.2020</a:t>
+              <a:t>02.07.2020</a:t>
             </a:fld>
             <a:endParaRPr lang="ru-RU"/>
           </a:p>
@@ -3470,7 +3475,7 @@
           <a:p>
             <a:fld id="{34EA86D9-090A-4554-8525-0B9DE1D53190}" type="datetimeFigureOut">
               <a:rPr lang="ru-RU" smtClean="0"/>
-              <a:t>01.07.2020</a:t>
+              <a:t>02.07.2020</a:t>
             </a:fld>
             <a:endParaRPr lang="ru-RU"/>
           </a:p>
@@ -3844,7 +3849,7 @@
           <a:p>
             <a:fld id="{34EA86D9-090A-4554-8525-0B9DE1D53190}" type="datetimeFigureOut">
               <a:rPr lang="ru-RU" smtClean="0"/>
-              <a:t>01.07.2020</a:t>
+              <a:t>02.07.2020</a:t>
             </a:fld>
             <a:endParaRPr lang="ru-RU"/>
           </a:p>
@@ -3967,7 +3972,7 @@
           <a:p>
             <a:fld id="{34EA86D9-090A-4554-8525-0B9DE1D53190}" type="datetimeFigureOut">
               <a:rPr lang="ru-RU" smtClean="0"/>
-              <a:t>01.07.2020</a:t>
+              <a:t>02.07.2020</a:t>
             </a:fld>
             <a:endParaRPr lang="ru-RU"/>
           </a:p>
@@ -4062,7 +4067,7 @@
           <a:p>
             <a:fld id="{34EA86D9-090A-4554-8525-0B9DE1D53190}" type="datetimeFigureOut">
               <a:rPr lang="ru-RU" smtClean="0"/>
-              <a:t>01.07.2020</a:t>
+              <a:t>02.07.2020</a:t>
             </a:fld>
             <a:endParaRPr lang="ru-RU"/>
           </a:p>
@@ -4317,7 +4322,7 @@
           <a:p>
             <a:fld id="{34EA86D9-090A-4554-8525-0B9DE1D53190}" type="datetimeFigureOut">
               <a:rPr lang="ru-RU" smtClean="0"/>
-              <a:t>01.07.2020</a:t>
+              <a:t>02.07.2020</a:t>
             </a:fld>
             <a:endParaRPr lang="ru-RU"/>
           </a:p>
@@ -4622,7 +4627,7 @@
           <a:p>
             <a:fld id="{34EA86D9-090A-4554-8525-0B9DE1D53190}" type="datetimeFigureOut">
               <a:rPr lang="ru-RU" smtClean="0"/>
-              <a:t>01.07.2020</a:t>
+              <a:t>02.07.2020</a:t>
             </a:fld>
             <a:endParaRPr lang="ru-RU"/>
           </a:p>
@@ -5324,7 +5329,7 @@
           <a:p>
             <a:fld id="{34EA86D9-090A-4554-8525-0B9DE1D53190}" type="datetimeFigureOut">
               <a:rPr lang="ru-RU" smtClean="0"/>
-              <a:t>01.07.2020</a:t>
+              <a:t>02.07.2020</a:t>
             </a:fld>
             <a:endParaRPr lang="ru-RU"/>
           </a:p>
@@ -7799,7 +7804,7 @@
           <p:cNvPr id="2" name="Заголовок 1">
             <a:extLst>
               <a:ext uri="{FF2B5EF4-FFF2-40B4-BE49-F238E27FC236}">
-                <a16:creationId xmlns:a16="http://schemas.microsoft.com/office/drawing/2014/main" id="{A5DBF555-441B-4755-9CC2-50D7916C8EAE}"/>
+                <a16:creationId xmlns:a16="http://schemas.microsoft.com/office/drawing/2014/main" id="{3B1E3722-A97C-455D-A749-8AEB0AEA8DAC}"/>
               </a:ext>
             </a:extLst>
           </p:cNvPr>
@@ -7822,21 +7827,142 @@
           </a:p>
         </p:txBody>
       </p:sp>
-      <p:pic>
-        <p:nvPicPr>
+      <p:sp>
+        <p:nvSpPr>
+          <p:cNvPr id="3" name="Текст 2">
+            <a:extLst>
+              <a:ext uri="{FF2B5EF4-FFF2-40B4-BE49-F238E27FC236}">
+                <a16:creationId xmlns:a16="http://schemas.microsoft.com/office/drawing/2014/main" id="{6E704539-6E0F-44DD-9E89-2945B43AD3E1}"/>
+              </a:ext>
+            </a:extLst>
+          </p:cNvPr>
+          <p:cNvSpPr>
+            <a:spLocks noGrp="1"/>
+          </p:cNvSpPr>
+          <p:nvPr>
+            <p:ph type="body" idx="1"/>
+          </p:nvPr>
+        </p:nvSpPr>
+        <p:spPr>
+          <a:xfrm>
+            <a:off x="675744" y="1354138"/>
+            <a:ext cx="4185623" cy="576262"/>
+          </a:xfrm>
+        </p:spPr>
+        <p:txBody>
+          <a:bodyPr/>
+          <a:lstStyle/>
+          <a:p>
+            <a:r>
+              <a:rPr lang="en-US" dirty="0"/>
+              <a:t>State_main.py</a:t>
+            </a:r>
+            <a:endParaRPr lang="ru-RU" dirty="0"/>
+          </a:p>
+        </p:txBody>
+      </p:sp>
+      <p:sp>
+        <p:nvSpPr>
           <p:cNvPr id="4" name="Объект 3">
             <a:extLst>
               <a:ext uri="{FF2B5EF4-FFF2-40B4-BE49-F238E27FC236}">
-                <a16:creationId xmlns:a16="http://schemas.microsoft.com/office/drawing/2014/main" id="{00D6C209-8A77-44EC-8AE7-D4ABB39443A2}"/>
+                <a16:creationId xmlns:a16="http://schemas.microsoft.com/office/drawing/2014/main" id="{7AE7BDE4-1F93-422F-8B0B-359F28D3B769}"/>
+              </a:ext>
+            </a:extLst>
+          </p:cNvPr>
+          <p:cNvSpPr>
+            <a:spLocks noGrp="1"/>
+          </p:cNvSpPr>
+          <p:nvPr>
+            <p:ph sz="half" idx="2"/>
+          </p:nvPr>
+        </p:nvSpPr>
+        <p:spPr/>
+        <p:txBody>
+          <a:bodyPr/>
+          <a:lstStyle/>
+          <a:p>
+            <a:endParaRPr lang="ru-RU"/>
+          </a:p>
+        </p:txBody>
+      </p:sp>
+      <p:sp>
+        <p:nvSpPr>
+          <p:cNvPr id="5" name="Текст 4">
+            <a:extLst>
+              <a:ext uri="{FF2B5EF4-FFF2-40B4-BE49-F238E27FC236}">
+                <a16:creationId xmlns:a16="http://schemas.microsoft.com/office/drawing/2014/main" id="{A1172859-A293-40FE-91CE-DCDE2F9B7116}"/>
+              </a:ext>
+            </a:extLst>
+          </p:cNvPr>
+          <p:cNvSpPr>
+            <a:spLocks noGrp="1"/>
+          </p:cNvSpPr>
+          <p:nvPr>
+            <p:ph type="body" sz="quarter" idx="3"/>
+          </p:nvPr>
+        </p:nvSpPr>
+        <p:spPr>
+          <a:xfrm>
+            <a:off x="5673344" y="1354138"/>
+            <a:ext cx="4185618" cy="576262"/>
+          </a:xfrm>
+        </p:spPr>
+        <p:txBody>
+          <a:bodyPr/>
+          <a:lstStyle/>
+          <a:p>
+            <a:r>
+              <a:rPr lang="en-US" dirty="0"/>
+              <a:t>State_funct.py</a:t>
+            </a:r>
+            <a:endParaRPr lang="ru-RU" dirty="0"/>
+          </a:p>
+        </p:txBody>
+      </p:sp>
+      <p:sp>
+        <p:nvSpPr>
+          <p:cNvPr id="6" name="Объект 5">
+            <a:extLst>
+              <a:ext uri="{FF2B5EF4-FFF2-40B4-BE49-F238E27FC236}">
+                <a16:creationId xmlns:a16="http://schemas.microsoft.com/office/drawing/2014/main" id="{6F5744A4-9792-493E-8A6B-F74D8AC9356D}"/>
+              </a:ext>
+            </a:extLst>
+          </p:cNvPr>
+          <p:cNvSpPr>
+            <a:spLocks noGrp="1"/>
+          </p:cNvSpPr>
+          <p:nvPr>
+            <p:ph sz="quarter" idx="4"/>
+          </p:nvPr>
+        </p:nvSpPr>
+        <p:spPr>
+          <a:xfrm>
+            <a:off x="7511072" y="2492148"/>
+            <a:ext cx="4185617" cy="3304117"/>
+          </a:xfrm>
+        </p:spPr>
+        <p:txBody>
+          <a:bodyPr/>
+          <a:lstStyle/>
+          <a:p>
+            <a:endParaRPr lang="ru-RU" dirty="0"/>
+          </a:p>
+        </p:txBody>
+      </p:sp>
+      <p:pic>
+        <p:nvPicPr>
+          <p:cNvPr id="7" name="Рисунок 6">
+            <a:extLst>
+              <a:ext uri="{FF2B5EF4-FFF2-40B4-BE49-F238E27FC236}">
+                <a16:creationId xmlns:a16="http://schemas.microsoft.com/office/drawing/2014/main" id="{C04C5EBD-4B6B-4E5E-9E88-264FA6C66BD3}"/>
               </a:ext>
             </a:extLst>
           </p:cNvPr>
           <p:cNvPicPr>
-            <a:picLocks noGrp="1" noChangeAspect="1"/>
+            <a:picLocks noChangeAspect="1"/>
           </p:cNvPicPr>
-          <p:nvPr>
-            <p:ph idx="1"/>
-          </p:nvPr>
+          <p:nvPr/>
         </p:nvPicPr>
         <p:blipFill>
           <a:blip r:embed="rId2"/>
@@ -7846,8 +7972,8 @@
         </p:blipFill>
         <p:spPr>
           <a:xfrm>
-            <a:off x="677334" y="1407429"/>
-            <a:ext cx="4936783" cy="4625726"/>
+            <a:off x="726500" y="1951874"/>
+            <a:ext cx="4540855" cy="4568713"/>
           </a:xfrm>
           <a:prstGeom prst="rect">
             <a:avLst/>
@@ -7859,7 +7985,7 @@
           <p:cNvPr id="8" name="Рисунок 7">
             <a:extLst>
               <a:ext uri="{FF2B5EF4-FFF2-40B4-BE49-F238E27FC236}">
-                <a16:creationId xmlns:a16="http://schemas.microsoft.com/office/drawing/2014/main" id="{DC8490CC-89F0-4FB6-AF26-FF1E6D9869C0}"/>
+                <a16:creationId xmlns:a16="http://schemas.microsoft.com/office/drawing/2014/main" id="{5826C356-8C2C-44A5-8B4F-25EC83559585}"/>
               </a:ext>
             </a:extLst>
           </p:cNvPr>
@@ -7876,8 +8002,8 @@
         </p:blipFill>
         <p:spPr>
           <a:xfrm>
-            <a:off x="5951381" y="1512113"/>
-            <a:ext cx="5040874" cy="4656987"/>
+            <a:off x="5673344" y="1930400"/>
+            <a:ext cx="5462080" cy="4611662"/>
           </a:xfrm>
           <a:prstGeom prst="rect">
             <a:avLst/>
@@ -7887,7 +8013,7 @@
     </p:spTree>
     <p:extLst>
       <p:ext uri="{BB962C8B-B14F-4D97-AF65-F5344CB8AC3E}">
-        <p14:creationId xmlns:p14="http://schemas.microsoft.com/office/powerpoint/2010/main" val="3092351204"/>
+        <p14:creationId xmlns:p14="http://schemas.microsoft.com/office/powerpoint/2010/main" val="2775386818"/>
       </p:ext>
     </p:extLst>
   </p:cSld>
@@ -7989,7 +8115,7 @@
         </p:blipFill>
         <p:spPr>
           <a:xfrm>
-            <a:off x="347395" y="1433169"/>
+            <a:off x="394689" y="1930400"/>
             <a:ext cx="5867056" cy="4711046"/>
           </a:xfrm>
           <a:prstGeom prst="rect">
@@ -8019,7 +8145,7 @@
         </p:blipFill>
         <p:spPr>
           <a:xfrm>
-            <a:off x="6248451" y="1433169"/>
+            <a:off x="6475925" y="1930400"/>
             <a:ext cx="5596154" cy="3991662"/>
           </a:xfrm>
           <a:prstGeom prst="rect">
@@ -8027,6 +8153,538 @@
           </a:prstGeom>
         </p:spPr>
       </p:pic>
+      <p:sp>
+        <p:nvSpPr>
+          <p:cNvPr id="9" name="Текст 2">
+            <a:extLst>
+              <a:ext uri="{FF2B5EF4-FFF2-40B4-BE49-F238E27FC236}">
+                <a16:creationId xmlns:a16="http://schemas.microsoft.com/office/drawing/2014/main" id="{CFBCB6B1-8CDE-4F81-BAE0-BFC15BF3DF6E}"/>
+              </a:ext>
+            </a:extLst>
+          </p:cNvPr>
+          <p:cNvSpPr txBox="1">
+            <a:spLocks/>
+          </p:cNvSpPr>
+          <p:nvPr/>
+        </p:nvSpPr>
+        <p:spPr>
+          <a:xfrm>
+            <a:off x="356700" y="1473438"/>
+            <a:ext cx="4185623" cy="576262"/>
+          </a:xfrm>
+          <a:prstGeom prst="rect">
+            <a:avLst/>
+          </a:prstGeom>
+        </p:spPr>
+        <p:txBody>
+          <a:bodyPr vert="horz" lIns="91440" tIns="45720" rIns="91440" bIns="45720" rtlCol="0">
+            <a:normAutofit/>
+          </a:bodyPr>
+          <a:lstStyle>
+            <a:lvl1pPr marL="342900" indent="-342900" algn="l" defTabSz="457200" rtl="0" eaLnBrk="1" latinLnBrk="0" hangingPunct="1">
+              <a:spcBef>
+                <a:spcPts val="1000"/>
+              </a:spcBef>
+              <a:spcAft>
+                <a:spcPts val="0"/>
+              </a:spcAft>
+              <a:buClr>
+                <a:schemeClr val="accent1"/>
+              </a:buClr>
+              <a:buSzPct val="80000"/>
+              <a:buFont typeface="Wingdings 3" charset="2"/>
+              <a:buChar char=""/>
+              <a:defRPr sz="1800" kern="1200">
+                <a:solidFill>
+                  <a:schemeClr val="tx1">
+                    <a:lumMod val="75000"/>
+                    <a:lumOff val="25000"/>
+                  </a:schemeClr>
+                </a:solidFill>
+                <a:latin typeface="+mn-lt"/>
+                <a:ea typeface="+mn-ea"/>
+                <a:cs typeface="+mn-cs"/>
+              </a:defRPr>
+            </a:lvl1pPr>
+            <a:lvl2pPr marL="742950" indent="-285750" algn="l" defTabSz="457200" rtl="0" eaLnBrk="1" latinLnBrk="0" hangingPunct="1">
+              <a:spcBef>
+                <a:spcPts val="1000"/>
+              </a:spcBef>
+              <a:spcAft>
+                <a:spcPts val="0"/>
+              </a:spcAft>
+              <a:buClr>
+                <a:schemeClr val="accent1"/>
+              </a:buClr>
+              <a:buSzPct val="80000"/>
+              <a:buFont typeface="Wingdings 3" charset="2"/>
+              <a:buChar char=""/>
+              <a:defRPr sz="1600" kern="1200">
+                <a:solidFill>
+                  <a:schemeClr val="tx1">
+                    <a:lumMod val="75000"/>
+                    <a:lumOff val="25000"/>
+                  </a:schemeClr>
+                </a:solidFill>
+                <a:latin typeface="+mn-lt"/>
+                <a:ea typeface="+mn-ea"/>
+                <a:cs typeface="+mn-cs"/>
+              </a:defRPr>
+            </a:lvl2pPr>
+            <a:lvl3pPr marL="1143000" indent="-228600" algn="l" defTabSz="457200" rtl="0" eaLnBrk="1" latinLnBrk="0" hangingPunct="1">
+              <a:spcBef>
+                <a:spcPts val="1000"/>
+              </a:spcBef>
+              <a:spcAft>
+                <a:spcPts val="0"/>
+              </a:spcAft>
+              <a:buClr>
+                <a:schemeClr val="accent1"/>
+              </a:buClr>
+              <a:buSzPct val="80000"/>
+              <a:buFont typeface="Wingdings 3" charset="2"/>
+              <a:buChar char=""/>
+              <a:defRPr sz="1400" kern="1200">
+                <a:solidFill>
+                  <a:schemeClr val="tx1">
+                    <a:lumMod val="75000"/>
+                    <a:lumOff val="25000"/>
+                  </a:schemeClr>
+                </a:solidFill>
+                <a:latin typeface="+mn-lt"/>
+                <a:ea typeface="+mn-ea"/>
+                <a:cs typeface="+mn-cs"/>
+              </a:defRPr>
+            </a:lvl3pPr>
+            <a:lvl4pPr marL="1600200" indent="-228600" algn="l" defTabSz="457200" rtl="0" eaLnBrk="1" latinLnBrk="0" hangingPunct="1">
+              <a:spcBef>
+                <a:spcPts val="1000"/>
+              </a:spcBef>
+              <a:spcAft>
+                <a:spcPts val="0"/>
+              </a:spcAft>
+              <a:buClr>
+                <a:schemeClr val="accent1"/>
+              </a:buClr>
+              <a:buSzPct val="80000"/>
+              <a:buFont typeface="Wingdings 3" charset="2"/>
+              <a:buChar char=""/>
+              <a:defRPr sz="1200" kern="1200">
+                <a:solidFill>
+                  <a:schemeClr val="tx1">
+                    <a:lumMod val="75000"/>
+                    <a:lumOff val="25000"/>
+                  </a:schemeClr>
+                </a:solidFill>
+                <a:latin typeface="+mn-lt"/>
+                <a:ea typeface="+mn-ea"/>
+                <a:cs typeface="+mn-cs"/>
+              </a:defRPr>
+            </a:lvl4pPr>
+            <a:lvl5pPr marL="2057400" indent="-228600" algn="l" defTabSz="457200" rtl="0" eaLnBrk="1" latinLnBrk="0" hangingPunct="1">
+              <a:spcBef>
+                <a:spcPts val="1000"/>
+              </a:spcBef>
+              <a:spcAft>
+                <a:spcPts val="0"/>
+              </a:spcAft>
+              <a:buClr>
+                <a:schemeClr val="accent1"/>
+              </a:buClr>
+              <a:buSzPct val="80000"/>
+              <a:buFont typeface="Wingdings 3" charset="2"/>
+              <a:buChar char=""/>
+              <a:defRPr sz="1200" kern="1200">
+                <a:solidFill>
+                  <a:schemeClr val="tx1">
+                    <a:lumMod val="75000"/>
+                    <a:lumOff val="25000"/>
+                  </a:schemeClr>
+                </a:solidFill>
+                <a:latin typeface="+mn-lt"/>
+                <a:ea typeface="+mn-ea"/>
+                <a:cs typeface="+mn-cs"/>
+              </a:defRPr>
+            </a:lvl5pPr>
+            <a:lvl6pPr marL="2514600" indent="-228600" algn="l" defTabSz="457200" rtl="0" eaLnBrk="1" latinLnBrk="0" hangingPunct="1">
+              <a:spcBef>
+                <a:spcPts val="1000"/>
+              </a:spcBef>
+              <a:spcAft>
+                <a:spcPts val="0"/>
+              </a:spcAft>
+              <a:buClr>
+                <a:schemeClr val="accent1"/>
+              </a:buClr>
+              <a:buSzPct val="80000"/>
+              <a:buFont typeface="Wingdings 3" charset="2"/>
+              <a:buChar char=""/>
+              <a:defRPr sz="1200" kern="1200">
+                <a:solidFill>
+                  <a:schemeClr val="tx1">
+                    <a:lumMod val="75000"/>
+                    <a:lumOff val="25000"/>
+                  </a:schemeClr>
+                </a:solidFill>
+                <a:latin typeface="+mn-lt"/>
+                <a:ea typeface="+mn-ea"/>
+                <a:cs typeface="+mn-cs"/>
+              </a:defRPr>
+            </a:lvl6pPr>
+            <a:lvl7pPr marL="2971800" indent="-228600" algn="l" defTabSz="457200" rtl="0" eaLnBrk="1" latinLnBrk="0" hangingPunct="1">
+              <a:spcBef>
+                <a:spcPts val="1000"/>
+              </a:spcBef>
+              <a:spcAft>
+                <a:spcPts val="0"/>
+              </a:spcAft>
+              <a:buClr>
+                <a:schemeClr val="accent1"/>
+              </a:buClr>
+              <a:buSzPct val="80000"/>
+              <a:buFont typeface="Wingdings 3" charset="2"/>
+              <a:buChar char=""/>
+              <a:defRPr sz="1200" kern="1200">
+                <a:solidFill>
+                  <a:schemeClr val="tx1">
+                    <a:lumMod val="75000"/>
+                    <a:lumOff val="25000"/>
+                  </a:schemeClr>
+                </a:solidFill>
+                <a:latin typeface="+mn-lt"/>
+                <a:ea typeface="+mn-ea"/>
+                <a:cs typeface="+mn-cs"/>
+              </a:defRPr>
+            </a:lvl7pPr>
+            <a:lvl8pPr marL="3429000" indent="-228600" algn="l" defTabSz="457200" rtl="0" eaLnBrk="1" latinLnBrk="0" hangingPunct="1">
+              <a:spcBef>
+                <a:spcPts val="1000"/>
+              </a:spcBef>
+              <a:spcAft>
+                <a:spcPts val="0"/>
+              </a:spcAft>
+              <a:buClr>
+                <a:schemeClr val="accent1"/>
+              </a:buClr>
+              <a:buSzPct val="80000"/>
+              <a:buFont typeface="Wingdings 3" charset="2"/>
+              <a:buChar char=""/>
+              <a:defRPr sz="1200" kern="1200">
+                <a:solidFill>
+                  <a:schemeClr val="tx1">
+                    <a:lumMod val="75000"/>
+                    <a:lumOff val="25000"/>
+                  </a:schemeClr>
+                </a:solidFill>
+                <a:latin typeface="+mn-lt"/>
+                <a:ea typeface="+mn-ea"/>
+                <a:cs typeface="+mn-cs"/>
+              </a:defRPr>
+            </a:lvl8pPr>
+            <a:lvl9pPr marL="3886200" indent="-228600" algn="l" defTabSz="457200" rtl="0" eaLnBrk="1" latinLnBrk="0" hangingPunct="1">
+              <a:spcBef>
+                <a:spcPts val="1000"/>
+              </a:spcBef>
+              <a:spcAft>
+                <a:spcPts val="0"/>
+              </a:spcAft>
+              <a:buClr>
+                <a:schemeClr val="accent1"/>
+              </a:buClr>
+              <a:buSzPct val="80000"/>
+              <a:buFont typeface="Wingdings 3" charset="2"/>
+              <a:buChar char=""/>
+              <a:defRPr sz="1200" kern="1200">
+                <a:solidFill>
+                  <a:schemeClr val="tx1">
+                    <a:lumMod val="75000"/>
+                    <a:lumOff val="25000"/>
+                  </a:schemeClr>
+                </a:solidFill>
+                <a:latin typeface="+mn-lt"/>
+                <a:ea typeface="+mn-ea"/>
+                <a:cs typeface="+mn-cs"/>
+              </a:defRPr>
+            </a:lvl9pPr>
+          </a:lstStyle>
+          <a:p>
+            <a:pPr marL="0" indent="0">
+              <a:buNone/>
+            </a:pPr>
+            <a:r>
+              <a:rPr lang="en-US" sz="2400" dirty="0"/>
+              <a:t>main.cpp</a:t>
+            </a:r>
+            <a:endParaRPr lang="ru-RU" sz="2400" dirty="0"/>
+          </a:p>
+        </p:txBody>
+      </p:sp>
+      <p:sp>
+        <p:nvSpPr>
+          <p:cNvPr id="10" name="Текст 2">
+            <a:extLst>
+              <a:ext uri="{FF2B5EF4-FFF2-40B4-BE49-F238E27FC236}">
+                <a16:creationId xmlns:a16="http://schemas.microsoft.com/office/drawing/2014/main" id="{CB1D5C0D-E52F-43F0-8985-2E3523538FD1}"/>
+              </a:ext>
+            </a:extLst>
+          </p:cNvPr>
+          <p:cNvSpPr txBox="1">
+            <a:spLocks/>
+          </p:cNvSpPr>
+          <p:nvPr/>
+        </p:nvSpPr>
+        <p:spPr>
+          <a:xfrm>
+            <a:off x="6776457" y="1473438"/>
+            <a:ext cx="4185623" cy="576262"/>
+          </a:xfrm>
+          <a:prstGeom prst="rect">
+            <a:avLst/>
+          </a:prstGeom>
+        </p:spPr>
+        <p:txBody>
+          <a:bodyPr vert="horz" lIns="91440" tIns="45720" rIns="91440" bIns="45720" rtlCol="0">
+            <a:normAutofit/>
+          </a:bodyPr>
+          <a:lstStyle>
+            <a:lvl1pPr marL="342900" indent="-342900" algn="l" defTabSz="457200" rtl="0" eaLnBrk="1" latinLnBrk="0" hangingPunct="1">
+              <a:spcBef>
+                <a:spcPts val="1000"/>
+              </a:spcBef>
+              <a:spcAft>
+                <a:spcPts val="0"/>
+              </a:spcAft>
+              <a:buClr>
+                <a:schemeClr val="accent1"/>
+              </a:buClr>
+              <a:buSzPct val="80000"/>
+              <a:buFont typeface="Wingdings 3" charset="2"/>
+              <a:buChar char=""/>
+              <a:defRPr sz="1800" kern="1200">
+                <a:solidFill>
+                  <a:schemeClr val="tx1">
+                    <a:lumMod val="75000"/>
+                    <a:lumOff val="25000"/>
+                  </a:schemeClr>
+                </a:solidFill>
+                <a:latin typeface="+mn-lt"/>
+                <a:ea typeface="+mn-ea"/>
+                <a:cs typeface="+mn-cs"/>
+              </a:defRPr>
+            </a:lvl1pPr>
+            <a:lvl2pPr marL="742950" indent="-285750" algn="l" defTabSz="457200" rtl="0" eaLnBrk="1" latinLnBrk="0" hangingPunct="1">
+              <a:spcBef>
+                <a:spcPts val="1000"/>
+              </a:spcBef>
+              <a:spcAft>
+                <a:spcPts val="0"/>
+              </a:spcAft>
+              <a:buClr>
+                <a:schemeClr val="accent1"/>
+              </a:buClr>
+              <a:buSzPct val="80000"/>
+              <a:buFont typeface="Wingdings 3" charset="2"/>
+              <a:buChar char=""/>
+              <a:defRPr sz="1600" kern="1200">
+                <a:solidFill>
+                  <a:schemeClr val="tx1">
+                    <a:lumMod val="75000"/>
+                    <a:lumOff val="25000"/>
+                  </a:schemeClr>
+                </a:solidFill>
+                <a:latin typeface="+mn-lt"/>
+                <a:ea typeface="+mn-ea"/>
+                <a:cs typeface="+mn-cs"/>
+              </a:defRPr>
+            </a:lvl2pPr>
+            <a:lvl3pPr marL="1143000" indent="-228600" algn="l" defTabSz="457200" rtl="0" eaLnBrk="1" latinLnBrk="0" hangingPunct="1">
+              <a:spcBef>
+                <a:spcPts val="1000"/>
+              </a:spcBef>
+              <a:spcAft>
+                <a:spcPts val="0"/>
+              </a:spcAft>
+              <a:buClr>
+                <a:schemeClr val="accent1"/>
+              </a:buClr>
+              <a:buSzPct val="80000"/>
+              <a:buFont typeface="Wingdings 3" charset="2"/>
+              <a:buChar char=""/>
+              <a:defRPr sz="1400" kern="1200">
+                <a:solidFill>
+                  <a:schemeClr val="tx1">
+                    <a:lumMod val="75000"/>
+                    <a:lumOff val="25000"/>
+                  </a:schemeClr>
+                </a:solidFill>
+                <a:latin typeface="+mn-lt"/>
+                <a:ea typeface="+mn-ea"/>
+                <a:cs typeface="+mn-cs"/>
+              </a:defRPr>
+            </a:lvl3pPr>
+            <a:lvl4pPr marL="1600200" indent="-228600" algn="l" defTabSz="457200" rtl="0" eaLnBrk="1" latinLnBrk="0" hangingPunct="1">
+              <a:spcBef>
+                <a:spcPts val="1000"/>
+              </a:spcBef>
+              <a:spcAft>
+                <a:spcPts val="0"/>
+              </a:spcAft>
+              <a:buClr>
+                <a:schemeClr val="accent1"/>
+              </a:buClr>
+              <a:buSzPct val="80000"/>
+              <a:buFont typeface="Wingdings 3" charset="2"/>
+              <a:buChar char=""/>
+              <a:defRPr sz="1200" kern="1200">
+                <a:solidFill>
+                  <a:schemeClr val="tx1">
+                    <a:lumMod val="75000"/>
+                    <a:lumOff val="25000"/>
+                  </a:schemeClr>
+                </a:solidFill>
+                <a:latin typeface="+mn-lt"/>
+                <a:ea typeface="+mn-ea"/>
+                <a:cs typeface="+mn-cs"/>
+              </a:defRPr>
+            </a:lvl4pPr>
+            <a:lvl5pPr marL="2057400" indent="-228600" algn="l" defTabSz="457200" rtl="0" eaLnBrk="1" latinLnBrk="0" hangingPunct="1">
+              <a:spcBef>
+                <a:spcPts val="1000"/>
+              </a:spcBef>
+              <a:spcAft>
+                <a:spcPts val="0"/>
+              </a:spcAft>
+              <a:buClr>
+                <a:schemeClr val="accent1"/>
+              </a:buClr>
+              <a:buSzPct val="80000"/>
+              <a:buFont typeface="Wingdings 3" charset="2"/>
+              <a:buChar char=""/>
+              <a:defRPr sz="1200" kern="1200">
+                <a:solidFill>
+                  <a:schemeClr val="tx1">
+                    <a:lumMod val="75000"/>
+                    <a:lumOff val="25000"/>
+                  </a:schemeClr>
+                </a:solidFill>
+                <a:latin typeface="+mn-lt"/>
+                <a:ea typeface="+mn-ea"/>
+                <a:cs typeface="+mn-cs"/>
+              </a:defRPr>
+            </a:lvl5pPr>
+            <a:lvl6pPr marL="2514600" indent="-228600" algn="l" defTabSz="457200" rtl="0" eaLnBrk="1" latinLnBrk="0" hangingPunct="1">
+              <a:spcBef>
+                <a:spcPts val="1000"/>
+              </a:spcBef>
+              <a:spcAft>
+                <a:spcPts val="0"/>
+              </a:spcAft>
+              <a:buClr>
+                <a:schemeClr val="accent1"/>
+              </a:buClr>
+              <a:buSzPct val="80000"/>
+              <a:buFont typeface="Wingdings 3" charset="2"/>
+              <a:buChar char=""/>
+              <a:defRPr sz="1200" kern="1200">
+                <a:solidFill>
+                  <a:schemeClr val="tx1">
+                    <a:lumMod val="75000"/>
+                    <a:lumOff val="25000"/>
+                  </a:schemeClr>
+                </a:solidFill>
+                <a:latin typeface="+mn-lt"/>
+                <a:ea typeface="+mn-ea"/>
+                <a:cs typeface="+mn-cs"/>
+              </a:defRPr>
+            </a:lvl6pPr>
+            <a:lvl7pPr marL="2971800" indent="-228600" algn="l" defTabSz="457200" rtl="0" eaLnBrk="1" latinLnBrk="0" hangingPunct="1">
+              <a:spcBef>
+                <a:spcPts val="1000"/>
+              </a:spcBef>
+              <a:spcAft>
+                <a:spcPts val="0"/>
+              </a:spcAft>
+              <a:buClr>
+                <a:schemeClr val="accent1"/>
+              </a:buClr>
+              <a:buSzPct val="80000"/>
+              <a:buFont typeface="Wingdings 3" charset="2"/>
+              <a:buChar char=""/>
+              <a:defRPr sz="1200" kern="1200">
+                <a:solidFill>
+                  <a:schemeClr val="tx1">
+                    <a:lumMod val="75000"/>
+                    <a:lumOff val="25000"/>
+                  </a:schemeClr>
+                </a:solidFill>
+                <a:latin typeface="+mn-lt"/>
+                <a:ea typeface="+mn-ea"/>
+                <a:cs typeface="+mn-cs"/>
+              </a:defRPr>
+            </a:lvl7pPr>
+            <a:lvl8pPr marL="3429000" indent="-228600" algn="l" defTabSz="457200" rtl="0" eaLnBrk="1" latinLnBrk="0" hangingPunct="1">
+              <a:spcBef>
+                <a:spcPts val="1000"/>
+              </a:spcBef>
+              <a:spcAft>
+                <a:spcPts val="0"/>
+              </a:spcAft>
+              <a:buClr>
+                <a:schemeClr val="accent1"/>
+              </a:buClr>
+              <a:buSzPct val="80000"/>
+              <a:buFont typeface="Wingdings 3" charset="2"/>
+              <a:buChar char=""/>
+              <a:defRPr sz="1200" kern="1200">
+                <a:solidFill>
+                  <a:schemeClr val="tx1">
+                    <a:lumMod val="75000"/>
+                    <a:lumOff val="25000"/>
+                  </a:schemeClr>
+                </a:solidFill>
+                <a:latin typeface="+mn-lt"/>
+                <a:ea typeface="+mn-ea"/>
+                <a:cs typeface="+mn-cs"/>
+              </a:defRPr>
+            </a:lvl8pPr>
+            <a:lvl9pPr marL="3886200" indent="-228600" algn="l" defTabSz="457200" rtl="0" eaLnBrk="1" latinLnBrk="0" hangingPunct="1">
+              <a:spcBef>
+                <a:spcPts val="1000"/>
+              </a:spcBef>
+              <a:spcAft>
+                <a:spcPts val="0"/>
+              </a:spcAft>
+              <a:buClr>
+                <a:schemeClr val="accent1"/>
+              </a:buClr>
+              <a:buSzPct val="80000"/>
+              <a:buFont typeface="Wingdings 3" charset="2"/>
+              <a:buChar char=""/>
+              <a:defRPr sz="1200" kern="1200">
+                <a:solidFill>
+                  <a:schemeClr val="tx1">
+                    <a:lumMod val="75000"/>
+                    <a:lumOff val="25000"/>
+                  </a:schemeClr>
+                </a:solidFill>
+                <a:latin typeface="+mn-lt"/>
+                <a:ea typeface="+mn-ea"/>
+                <a:cs typeface="+mn-cs"/>
+              </a:defRPr>
+            </a:lvl9pPr>
+          </a:lstStyle>
+          <a:p>
+            <a:pPr marL="0" indent="0">
+              <a:buNone/>
+            </a:pPr>
+            <a:r>
+              <a:rPr lang="en-US" sz="2400" dirty="0"/>
+              <a:t>Costing.cpp</a:t>
+            </a:r>
+            <a:endParaRPr lang="ru-RU" sz="2400" dirty="0"/>
+          </a:p>
+        </p:txBody>
+      </p:sp>
     </p:spTree>
     <p:extLst>
       <p:ext uri="{BB962C8B-B14F-4D97-AF65-F5344CB8AC3E}">

--- a/Модульный экзамен/Модульный экзамен Попкова.pptx
+++ b/Модульный экзамен/Модульный экзамен Попкова.pptx
@@ -8678,8 +8678,8 @@
               <a:buNone/>
             </a:pPr>
             <a:r>
-              <a:rPr lang="en-US" sz="2400" dirty="0"/>
-              <a:t>Costing.cpp</a:t>
+              <a:rPr lang="en-US" sz="2400"/>
+              <a:t>Costing.hpp</a:t>
             </a:r>
             <a:endParaRPr lang="ru-RU" sz="2400" dirty="0"/>
           </a:p>

--- a/Модульный экзамен/Модульный экзамен Попкова.pptx
+++ b/Модульный экзамен/Модульный экзамен Попкова.pptx
@@ -871,7 +871,7 @@
           <a:p>
             <a:fld id="{34EA86D9-090A-4554-8525-0B9DE1D53190}" type="datetimeFigureOut">
               <a:rPr lang="ru-RU" smtClean="0"/>
-              <a:t>02.07.2020</a:t>
+              <a:t>03.07.2020</a:t>
             </a:fld>
             <a:endParaRPr lang="ru-RU"/>
           </a:p>
@@ -1122,7 +1122,7 @@
           <a:p>
             <a:fld id="{34EA86D9-090A-4554-8525-0B9DE1D53190}" type="datetimeFigureOut">
               <a:rPr lang="ru-RU" smtClean="0"/>
-              <a:t>02.07.2020</a:t>
+              <a:t>03.07.2020</a:t>
             </a:fld>
             <a:endParaRPr lang="ru-RU"/>
           </a:p>
@@ -1436,7 +1436,7 @@
           <a:p>
             <a:fld id="{34EA86D9-090A-4554-8525-0B9DE1D53190}" type="datetimeFigureOut">
               <a:rPr lang="ru-RU" smtClean="0"/>
-              <a:t>02.07.2020</a:t>
+              <a:t>03.07.2020</a:t>
             </a:fld>
             <a:endParaRPr lang="ru-RU"/>
           </a:p>
@@ -1769,7 +1769,7 @@
           <a:p>
             <a:fld id="{34EA86D9-090A-4554-8525-0B9DE1D53190}" type="datetimeFigureOut">
               <a:rPr lang="ru-RU" smtClean="0"/>
-              <a:t>02.07.2020</a:t>
+              <a:t>03.07.2020</a:t>
             </a:fld>
             <a:endParaRPr lang="ru-RU"/>
           </a:p>
@@ -2083,7 +2083,7 @@
           <a:p>
             <a:fld id="{34EA86D9-090A-4554-8525-0B9DE1D53190}" type="datetimeFigureOut">
               <a:rPr lang="ru-RU" smtClean="0"/>
-              <a:t>02.07.2020</a:t>
+              <a:t>03.07.2020</a:t>
             </a:fld>
             <a:endParaRPr lang="ru-RU"/>
           </a:p>
@@ -2476,7 +2476,7 @@
           <a:p>
             <a:fld id="{34EA86D9-090A-4554-8525-0B9DE1D53190}" type="datetimeFigureOut">
               <a:rPr lang="ru-RU" smtClean="0"/>
-              <a:t>02.07.2020</a:t>
+              <a:t>03.07.2020</a:t>
             </a:fld>
             <a:endParaRPr lang="ru-RU"/>
           </a:p>
@@ -2646,7 +2646,7 @@
           <a:p>
             <a:fld id="{34EA86D9-090A-4554-8525-0B9DE1D53190}" type="datetimeFigureOut">
               <a:rPr lang="ru-RU" smtClean="0"/>
-              <a:t>02.07.2020</a:t>
+              <a:t>03.07.2020</a:t>
             </a:fld>
             <a:endParaRPr lang="ru-RU"/>
           </a:p>
@@ -2826,7 +2826,7 @@
           <a:p>
             <a:fld id="{34EA86D9-090A-4554-8525-0B9DE1D53190}" type="datetimeFigureOut">
               <a:rPr lang="ru-RU" smtClean="0"/>
-              <a:t>02.07.2020</a:t>
+              <a:t>03.07.2020</a:t>
             </a:fld>
             <a:endParaRPr lang="ru-RU"/>
           </a:p>
@@ -2996,7 +2996,7 @@
           <a:p>
             <a:fld id="{34EA86D9-090A-4554-8525-0B9DE1D53190}" type="datetimeFigureOut">
               <a:rPr lang="ru-RU" smtClean="0"/>
-              <a:t>02.07.2020</a:t>
+              <a:t>03.07.2020</a:t>
             </a:fld>
             <a:endParaRPr lang="ru-RU"/>
           </a:p>
@@ -3243,7 +3243,7 @@
           <a:p>
             <a:fld id="{34EA86D9-090A-4554-8525-0B9DE1D53190}" type="datetimeFigureOut">
               <a:rPr lang="ru-RU" smtClean="0"/>
-              <a:t>02.07.2020</a:t>
+              <a:t>03.07.2020</a:t>
             </a:fld>
             <a:endParaRPr lang="ru-RU"/>
           </a:p>
@@ -3475,7 +3475,7 @@
           <a:p>
             <a:fld id="{34EA86D9-090A-4554-8525-0B9DE1D53190}" type="datetimeFigureOut">
               <a:rPr lang="ru-RU" smtClean="0"/>
-              <a:t>02.07.2020</a:t>
+              <a:t>03.07.2020</a:t>
             </a:fld>
             <a:endParaRPr lang="ru-RU"/>
           </a:p>
@@ -3849,7 +3849,7 @@
           <a:p>
             <a:fld id="{34EA86D9-090A-4554-8525-0B9DE1D53190}" type="datetimeFigureOut">
               <a:rPr lang="ru-RU" smtClean="0"/>
-              <a:t>02.07.2020</a:t>
+              <a:t>03.07.2020</a:t>
             </a:fld>
             <a:endParaRPr lang="ru-RU"/>
           </a:p>
@@ -3972,7 +3972,7 @@
           <a:p>
             <a:fld id="{34EA86D9-090A-4554-8525-0B9DE1D53190}" type="datetimeFigureOut">
               <a:rPr lang="ru-RU" smtClean="0"/>
-              <a:t>02.07.2020</a:t>
+              <a:t>03.07.2020</a:t>
             </a:fld>
             <a:endParaRPr lang="ru-RU"/>
           </a:p>
@@ -4067,7 +4067,7 @@
           <a:p>
             <a:fld id="{34EA86D9-090A-4554-8525-0B9DE1D53190}" type="datetimeFigureOut">
               <a:rPr lang="ru-RU" smtClean="0"/>
-              <a:t>02.07.2020</a:t>
+              <a:t>03.07.2020</a:t>
             </a:fld>
             <a:endParaRPr lang="ru-RU"/>
           </a:p>
@@ -4322,7 +4322,7 @@
           <a:p>
             <a:fld id="{34EA86D9-090A-4554-8525-0B9DE1D53190}" type="datetimeFigureOut">
               <a:rPr lang="ru-RU" smtClean="0"/>
-              <a:t>02.07.2020</a:t>
+              <a:t>03.07.2020</a:t>
             </a:fld>
             <a:endParaRPr lang="ru-RU"/>
           </a:p>
@@ -4627,7 +4627,7 @@
           <a:p>
             <a:fld id="{34EA86D9-090A-4554-8525-0B9DE1D53190}" type="datetimeFigureOut">
               <a:rPr lang="ru-RU" smtClean="0"/>
-              <a:t>02.07.2020</a:t>
+              <a:t>03.07.2020</a:t>
             </a:fld>
             <a:endParaRPr lang="ru-RU"/>
           </a:p>
@@ -5329,7 +5329,7 @@
           <a:p>
             <a:fld id="{34EA86D9-090A-4554-8525-0B9DE1D53190}" type="datetimeFigureOut">
               <a:rPr lang="ru-RU" smtClean="0"/>
-              <a:t>02.07.2020</a:t>
+              <a:t>03.07.2020</a:t>
             </a:fld>
             <a:endParaRPr lang="ru-RU"/>
           </a:p>
@@ -6873,8 +6873,16 @@
           <a:lstStyle/>
           <a:p>
             <a:r>
+              <a:rPr lang="en-US" dirty="0"/>
+              <a:t>C</a:t>
+            </a:r>
+            <a:r>
+              <a:rPr lang="ru-RU"/>
+              <a:t>формированность </a:t>
+            </a:r>
+            <a:r>
               <a:rPr lang="ru-RU" dirty="0"/>
-              <a:t>Использование компетенций</a:t>
+              <a:t>компетенций</a:t>
             </a:r>
           </a:p>
         </p:txBody>

--- a/Модульный экзамен/Модульный экзамен Попкова.pptx
+++ b/Модульный экзамен/Модульный экзамен Попкова.pptx
@@ -5886,7 +5886,19 @@
           <a:p>
             <a:r>
               <a:rPr lang="ru-RU" sz="4400" dirty="0"/>
-              <a:t>Экзаменационный билет №23 по модулю ПМ.01 «Разработка программных модулей программного обеспечения для компьютерных систем»</a:t>
+              <a:t>Экзаменационный билет №2</a:t>
+            </a:r>
+            <a:r>
+              <a:rPr lang="en-US" sz="4400"/>
+              <a:t>5</a:t>
+            </a:r>
+            <a:r>
+              <a:rPr lang="ru-RU" sz="4400"/>
+              <a:t> </a:t>
+            </a:r>
+            <a:r>
+              <a:rPr lang="ru-RU" sz="4400" dirty="0"/>
+              <a:t>по модулю ПМ.01 «Разработка программных модулей программного обеспечения для компьютерных систем»</a:t>
             </a:r>
           </a:p>
         </p:txBody>
